--- a/Automation Engineer.pptx
+++ b/Automation Engineer.pptx
@@ -268,7 +268,7 @@
           <a:p>
             <a:fld id="{48A87A34-81AB-432B-8DAE-1953F412C126}" type="datetimeFigureOut">
               <a:rPr lang="en-US" dirty="0"/>
-              <a:t>8/19/2021</a:t>
+              <a:t>8/20/2021</a:t>
             </a:fld>
             <a:endParaRPr lang="en-US" dirty="0"/>
           </a:p>
@@ -474,7 +474,7 @@
           <a:p>
             <a:fld id="{48A87A34-81AB-432B-8DAE-1953F412C126}" type="datetimeFigureOut">
               <a:rPr lang="en-US" dirty="0"/>
-              <a:t>8/19/2021</a:t>
+              <a:t>8/20/2021</a:t>
             </a:fld>
             <a:endParaRPr lang="en-US" dirty="0"/>
           </a:p>
@@ -684,7 +684,7 @@
           <a:p>
             <a:fld id="{48A87A34-81AB-432B-8DAE-1953F412C126}" type="datetimeFigureOut">
               <a:rPr lang="en-US" dirty="0"/>
-              <a:t>8/19/2021</a:t>
+              <a:t>8/20/2021</a:t>
             </a:fld>
             <a:endParaRPr lang="en-US" dirty="0"/>
           </a:p>
@@ -880,7 +880,7 @@
           <a:p>
             <a:fld id="{48A87A34-81AB-432B-8DAE-1953F412C126}" type="datetimeFigureOut">
               <a:rPr lang="en-US" dirty="0"/>
-              <a:t>8/19/2021</a:t>
+              <a:t>8/20/2021</a:t>
             </a:fld>
             <a:endParaRPr lang="en-US" dirty="0"/>
           </a:p>
@@ -1154,7 +1154,7 @@
           <a:p>
             <a:fld id="{48A87A34-81AB-432B-8DAE-1953F412C126}" type="datetimeFigureOut">
               <a:rPr lang="en-US" dirty="0"/>
-              <a:t>8/19/2021</a:t>
+              <a:t>8/20/2021</a:t>
             </a:fld>
             <a:endParaRPr lang="en-US" dirty="0"/>
           </a:p>
@@ -1417,7 +1417,7 @@
           <a:p>
             <a:fld id="{48A87A34-81AB-432B-8DAE-1953F412C126}" type="datetimeFigureOut">
               <a:rPr lang="en-US" dirty="0"/>
-              <a:t>8/19/2021</a:t>
+              <a:t>8/20/2021</a:t>
             </a:fld>
             <a:endParaRPr lang="en-US" dirty="0"/>
           </a:p>
@@ -1828,7 +1828,7 @@
           <a:p>
             <a:fld id="{48A87A34-81AB-432B-8DAE-1953F412C126}" type="datetimeFigureOut">
               <a:rPr lang="en-US" dirty="0"/>
-              <a:t>8/19/2021</a:t>
+              <a:t>8/20/2021</a:t>
             </a:fld>
             <a:endParaRPr lang="en-US" dirty="0"/>
           </a:p>
@@ -1972,7 +1972,7 @@
           <a:p>
             <a:fld id="{48A87A34-81AB-432B-8DAE-1953F412C126}" type="datetimeFigureOut">
               <a:rPr lang="en-US" dirty="0"/>
-              <a:t>8/19/2021</a:t>
+              <a:t>8/20/2021</a:t>
             </a:fld>
             <a:endParaRPr lang="en-US" dirty="0"/>
           </a:p>
@@ -2093,7 +2093,7 @@
           <a:p>
             <a:fld id="{48A87A34-81AB-432B-8DAE-1953F412C126}" type="datetimeFigureOut">
               <a:rPr lang="en-US" dirty="0"/>
-              <a:t>8/19/2021</a:t>
+              <a:t>8/20/2021</a:t>
             </a:fld>
             <a:endParaRPr lang="en-US" dirty="0"/>
           </a:p>
@@ -2339,7 +2339,7 @@
           <a:p>
             <a:fld id="{48A87A34-81AB-432B-8DAE-1953F412C126}" type="datetimeFigureOut">
               <a:rPr lang="en-US" dirty="0"/>
-              <a:t>8/19/2021</a:t>
+              <a:t>8/20/2021</a:t>
             </a:fld>
             <a:endParaRPr lang="en-US" dirty="0"/>
           </a:p>
@@ -2780,7 +2780,7 @@
             <a:fld id="{48A87A34-81AB-432B-8DAE-1953F412C126}" type="datetimeFigureOut">
               <a:rPr lang="en-US" dirty="0"/>
               <a:pPr/>
-              <a:t>8/19/2021</a:t>
+              <a:t>8/20/2021</a:t>
             </a:fld>
             <a:endParaRPr lang="en-US" dirty="0"/>
           </a:p>
@@ -3103,7 +3103,7 @@
             <a:fld id="{48A87A34-81AB-432B-8DAE-1953F412C126}" type="datetimeFigureOut">
               <a:rPr lang="en-US" dirty="0"/>
               <a:pPr/>
-              <a:t>8/19/2021</a:t>
+              <a:t>8/20/2021</a:t>
             </a:fld>
             <a:endParaRPr lang="en-US" dirty="0"/>
           </a:p>
@@ -4014,8 +4014,8 @@
         </p:nvSpPr>
         <p:spPr>
           <a:xfrm>
-            <a:off x="1451579" y="1369221"/>
-            <a:ext cx="9405891" cy="3499342"/>
+            <a:off x="869901" y="1166191"/>
+            <a:ext cx="10287000" cy="3924004"/>
           </a:xfrm>
         </p:spPr>
         <p:txBody>
@@ -4026,13 +4026,13 @@
           <a:p>
             <a:r>
               <a:rPr lang="en-US" b="1" dirty="0"/>
-              <a:t>SRIKANTH PITTAL</a:t>
+              <a:t>SRIKANTH PITTALA</a:t>
             </a:r>
           </a:p>
           <a:p>
             <a:r>
               <a:rPr lang="en-US" dirty="0"/>
-              <a:t>Team Lead –Automation Engineer </a:t>
+              <a:t>Team Lead –Automation Engineer (QA)</a:t>
             </a:r>
           </a:p>
           <a:p>
@@ -4050,22 +4050,18 @@
           <a:p>
             <a:r>
               <a:rPr lang="en-US" dirty="0"/>
-              <a:t>Tools : Selenium , Mobile Testing, API Testing &amp; JMeter(Performance)</a:t>
+              <a:t>Tools : Selenium (Web) , Mobile Testing, API Testing &amp; JMeter(Performance)</a:t>
             </a:r>
           </a:p>
           <a:p>
             <a:r>
               <a:rPr lang="en-US" dirty="0"/>
-              <a:t>DB : Microsoft SQL- Server</a:t>
-            </a:r>
-          </a:p>
-          <a:p>
-            <a:endParaRPr lang="en-US" dirty="0"/>
-          </a:p>
-          <a:p>
-            <a:endParaRPr lang="en-US" dirty="0"/>
-          </a:p>
-          <a:p>
+              <a:t>DB : Microsoft </a:t>
+            </a:r>
+            <a:r>
+              <a:rPr lang="en-US"/>
+              <a:t>SQL- Server</a:t>
+            </a:r>
             <a:endParaRPr lang="en-US" dirty="0"/>
           </a:p>
         </p:txBody>
@@ -4421,7 +4417,7 @@
           <a:p>
             <a:r>
               <a:rPr lang="en-US" dirty="0"/>
-              <a:t>Manual Testing </a:t>
+              <a:t>Manual Testing</a:t>
             </a:r>
           </a:p>
           <a:p>
@@ -4438,12 +4434,8 @@
           </a:p>
           <a:p>
             <a:r>
-              <a:rPr lang="en-US"/>
-              <a:t>Scope of automation </a:t>
-            </a:r>
-            <a:r>
               <a:rPr lang="en-US" dirty="0"/>
-              <a:t>testing</a:t>
+              <a:t>Scope of automation testing</a:t>
             </a:r>
           </a:p>
           <a:p>
@@ -4878,8 +4870,8 @@
         </p:nvSpPr>
         <p:spPr>
           <a:xfrm>
-            <a:off x="1451579" y="1376053"/>
-            <a:ext cx="9405891" cy="1002990"/>
+            <a:off x="1034493" y="1018830"/>
+            <a:ext cx="9822977" cy="601722"/>
           </a:xfrm>
         </p:spPr>
         <p:txBody>
@@ -4970,8 +4962,8 @@
         </p:blipFill>
         <p:spPr bwMode="auto">
           <a:xfrm>
-            <a:off x="4191794" y="2515772"/>
-            <a:ext cx="2857500" cy="1704975"/>
+            <a:off x="3073285" y="1578597"/>
+            <a:ext cx="4241915" cy="3112674"/>
           </a:xfrm>
           <a:prstGeom prst="rect">
             <a:avLst/>
@@ -5686,43 +5678,64 @@
           <a:lstStyle/>
           <a:p>
             <a:r>
-              <a:rPr lang="en-US" sz="1400" b="1" dirty="0"/>
+              <a:rPr lang="en-US" sz="1800" b="1" dirty="0">
+                <a:latin typeface="Arial" panose="020B0604020202020204" pitchFamily="34" charset="0"/>
+                <a:cs typeface="Arial" panose="020B0604020202020204" pitchFamily="34" charset="0"/>
+              </a:rPr>
               <a:t>Java / c# / python</a:t>
             </a:r>
           </a:p>
           <a:p>
             <a:r>
-              <a:rPr lang="en-US" sz="1400" b="1" dirty="0"/>
+              <a:rPr lang="en-US" sz="1800" b="1" dirty="0">
+                <a:latin typeface="Arial" panose="020B0604020202020204" pitchFamily="34" charset="0"/>
+                <a:cs typeface="Arial" panose="020B0604020202020204" pitchFamily="34" charset="0"/>
+              </a:rPr>
               <a:t>Selenium (UI)</a:t>
             </a:r>
           </a:p>
           <a:p>
             <a:r>
-              <a:rPr lang="en-US" sz="1400" b="1" dirty="0"/>
+              <a:rPr lang="en-US" sz="1800" b="1" dirty="0">
+                <a:latin typeface="Arial" panose="020B0604020202020204" pitchFamily="34" charset="0"/>
+                <a:cs typeface="Arial" panose="020B0604020202020204" pitchFamily="34" charset="0"/>
+              </a:rPr>
               <a:t>API Testing</a:t>
             </a:r>
           </a:p>
           <a:p>
             <a:r>
-              <a:rPr lang="en-US" sz="1400" b="1" dirty="0"/>
+              <a:rPr lang="en-US" sz="1800" b="1" dirty="0">
+                <a:latin typeface="Arial" panose="020B0604020202020204" pitchFamily="34" charset="0"/>
+                <a:cs typeface="Arial" panose="020B0604020202020204" pitchFamily="34" charset="0"/>
+              </a:rPr>
               <a:t>Mobile Testing</a:t>
             </a:r>
           </a:p>
           <a:p>
             <a:r>
-              <a:rPr lang="en-US" sz="1400" b="1" dirty="0"/>
+              <a:rPr lang="en-US" sz="1800" b="1" dirty="0">
+                <a:latin typeface="Arial" panose="020B0604020202020204" pitchFamily="34" charset="0"/>
+                <a:cs typeface="Arial" panose="020B0604020202020204" pitchFamily="34" charset="0"/>
+              </a:rPr>
               <a:t>SQL Server (DB)</a:t>
             </a:r>
           </a:p>
           <a:p>
             <a:r>
-              <a:rPr lang="en-US" sz="1400" b="1" dirty="0"/>
+              <a:rPr lang="en-US" sz="1800" b="1" dirty="0">
+                <a:latin typeface="Arial" panose="020B0604020202020204" pitchFamily="34" charset="0"/>
+                <a:cs typeface="Arial" panose="020B0604020202020204" pitchFamily="34" charset="0"/>
+              </a:rPr>
               <a:t>JMeter (Performance)</a:t>
             </a:r>
           </a:p>
           <a:p>
             <a:r>
-              <a:rPr lang="en-US" sz="1400" b="1" dirty="0"/>
+              <a:rPr lang="en-US" sz="1800" b="1" dirty="0">
+                <a:latin typeface="Arial" panose="020B0604020202020204" pitchFamily="34" charset="0"/>
+                <a:cs typeface="Arial" panose="020B0604020202020204" pitchFamily="34" charset="0"/>
+              </a:rPr>
               <a:t>CI &amp; CD</a:t>
             </a:r>
           </a:p>
